--- a/DB.pptx
+++ b/DB.pptx
@@ -243,7 +243,7 @@
           <a:p>
             <a:fld id="{AC3B0DFF-1389-44B1-A37D-6A1681CDDBDA}" type="datetimeFigureOut">
               <a:rPr lang="es-MX" smtClean="0"/>
-              <a:t>28/10/2013</a:t>
+              <a:t>02/12/2013</a:t>
             </a:fld>
             <a:endParaRPr lang="es-MX"/>
           </a:p>
@@ -413,7 +413,7 @@
           <a:p>
             <a:fld id="{AC3B0DFF-1389-44B1-A37D-6A1681CDDBDA}" type="datetimeFigureOut">
               <a:rPr lang="es-MX" smtClean="0"/>
-              <a:t>28/10/2013</a:t>
+              <a:t>02/12/2013</a:t>
             </a:fld>
             <a:endParaRPr lang="es-MX"/>
           </a:p>
@@ -593,7 +593,7 @@
           <a:p>
             <a:fld id="{AC3B0DFF-1389-44B1-A37D-6A1681CDDBDA}" type="datetimeFigureOut">
               <a:rPr lang="es-MX" smtClean="0"/>
-              <a:t>28/10/2013</a:t>
+              <a:t>02/12/2013</a:t>
             </a:fld>
             <a:endParaRPr lang="es-MX"/>
           </a:p>
@@ -763,7 +763,7 @@
           <a:p>
             <a:fld id="{AC3B0DFF-1389-44B1-A37D-6A1681CDDBDA}" type="datetimeFigureOut">
               <a:rPr lang="es-MX" smtClean="0"/>
-              <a:t>28/10/2013</a:t>
+              <a:t>02/12/2013</a:t>
             </a:fld>
             <a:endParaRPr lang="es-MX"/>
           </a:p>
@@ -1009,7 +1009,7 @@
           <a:p>
             <a:fld id="{AC3B0DFF-1389-44B1-A37D-6A1681CDDBDA}" type="datetimeFigureOut">
               <a:rPr lang="es-MX" smtClean="0"/>
-              <a:t>28/10/2013</a:t>
+              <a:t>02/12/2013</a:t>
             </a:fld>
             <a:endParaRPr lang="es-MX"/>
           </a:p>
@@ -1241,7 +1241,7 @@
           <a:p>
             <a:fld id="{AC3B0DFF-1389-44B1-A37D-6A1681CDDBDA}" type="datetimeFigureOut">
               <a:rPr lang="es-MX" smtClean="0"/>
-              <a:t>28/10/2013</a:t>
+              <a:t>02/12/2013</a:t>
             </a:fld>
             <a:endParaRPr lang="es-MX"/>
           </a:p>
@@ -1608,7 +1608,7 @@
           <a:p>
             <a:fld id="{AC3B0DFF-1389-44B1-A37D-6A1681CDDBDA}" type="datetimeFigureOut">
               <a:rPr lang="es-MX" smtClean="0"/>
-              <a:t>28/10/2013</a:t>
+              <a:t>02/12/2013</a:t>
             </a:fld>
             <a:endParaRPr lang="es-MX"/>
           </a:p>
@@ -1726,7 +1726,7 @@
           <a:p>
             <a:fld id="{AC3B0DFF-1389-44B1-A37D-6A1681CDDBDA}" type="datetimeFigureOut">
               <a:rPr lang="es-MX" smtClean="0"/>
-              <a:t>28/10/2013</a:t>
+              <a:t>02/12/2013</a:t>
             </a:fld>
             <a:endParaRPr lang="es-MX"/>
           </a:p>
@@ -1821,7 +1821,7 @@
           <a:p>
             <a:fld id="{AC3B0DFF-1389-44B1-A37D-6A1681CDDBDA}" type="datetimeFigureOut">
               <a:rPr lang="es-MX" smtClean="0"/>
-              <a:t>28/10/2013</a:t>
+              <a:t>02/12/2013</a:t>
             </a:fld>
             <a:endParaRPr lang="es-MX"/>
           </a:p>
@@ -2098,7 +2098,7 @@
           <a:p>
             <a:fld id="{AC3B0DFF-1389-44B1-A37D-6A1681CDDBDA}" type="datetimeFigureOut">
               <a:rPr lang="es-MX" smtClean="0"/>
-              <a:t>28/10/2013</a:t>
+              <a:t>02/12/2013</a:t>
             </a:fld>
             <a:endParaRPr lang="es-MX"/>
           </a:p>
@@ -2351,7 +2351,7 @@
           <a:p>
             <a:fld id="{AC3B0DFF-1389-44B1-A37D-6A1681CDDBDA}" type="datetimeFigureOut">
               <a:rPr lang="es-MX" smtClean="0"/>
-              <a:t>28/10/2013</a:t>
+              <a:t>02/12/2013</a:t>
             </a:fld>
             <a:endParaRPr lang="es-MX"/>
           </a:p>
@@ -2564,7 +2564,7 @@
           <a:p>
             <a:fld id="{AC3B0DFF-1389-44B1-A37D-6A1681CDDBDA}" type="datetimeFigureOut">
               <a:rPr lang="es-MX" smtClean="0"/>
-              <a:t>28/10/2013</a:t>
+              <a:t>02/12/2013</a:t>
             </a:fld>
             <a:endParaRPr lang="es-MX"/>
           </a:p>
@@ -2971,690 +2971,1328 @@
       </p:grpSpPr>
       <p:grpSp>
         <p:nvGrpSpPr>
-          <p:cNvPr id="30" name="Group 29"/>
+          <p:cNvPr id="34" name="Group 33"/>
           <p:cNvGrpSpPr/>
           <p:nvPr/>
         </p:nvGrpSpPr>
         <p:grpSpPr>
           <a:xfrm>
             <a:off x="242060" y="154545"/>
-            <a:ext cx="6275454" cy="5970432"/>
+            <a:ext cx="7108697" cy="5970432"/>
             <a:chOff x="242060" y="154545"/>
-            <a:chExt cx="6275454" cy="5970432"/>
+            <a:chExt cx="7108697" cy="5970432"/>
           </a:xfrm>
         </p:grpSpPr>
-        <p:sp>
-          <p:nvSpPr>
-            <p:cNvPr id="4" name="Rectangle 3"/>
-            <p:cNvSpPr/>
+        <p:grpSp>
+          <p:nvGrpSpPr>
+            <p:cNvPr id="21" name="Group 20"/>
+            <p:cNvGrpSpPr/>
             <p:nvPr/>
-          </p:nvSpPr>
-          <p:spPr>
+          </p:nvGrpSpPr>
+          <p:grpSpPr>
             <a:xfrm>
-              <a:off x="515156" y="154545"/>
-              <a:ext cx="1983346" cy="1854559"/>
+              <a:off x="242060" y="154545"/>
+              <a:ext cx="7108697" cy="5970432"/>
+              <a:chOff x="242060" y="154545"/>
+              <a:chExt cx="7108697" cy="5970432"/>
             </a:xfrm>
-            <a:prstGeom prst="rect">
-              <a:avLst/>
-            </a:prstGeom>
-          </p:spPr>
-          <p:style>
-            <a:lnRef idx="1">
-              <a:schemeClr val="accent1"/>
-            </a:lnRef>
-            <a:fillRef idx="3">
-              <a:schemeClr val="accent1"/>
-            </a:fillRef>
-            <a:effectRef idx="2">
-              <a:schemeClr val="accent1"/>
-            </a:effectRef>
-            <a:fontRef idx="minor">
-              <a:schemeClr val="lt1"/>
-            </a:fontRef>
-          </p:style>
-          <p:txBody>
-            <a:bodyPr rtlCol="0" anchor="ctr"/>
-            <a:lstStyle/>
-            <a:p>
-              <a:pPr algn="ctr"/>
-              <a:r>
-                <a:rPr lang="es-MX" sz="1100" b="1" dirty="0" smtClean="0"/>
-                <a:t>USERS</a:t>
-              </a:r>
-              <a:endParaRPr lang="es-MX" sz="1100" b="1" dirty="0" smtClean="0"/>
-            </a:p>
-            <a:p>
-              <a:r>
-                <a:rPr lang="es-MX" sz="1100" dirty="0" smtClean="0"/>
-                <a:t>ID</a:t>
-              </a:r>
-            </a:p>
-            <a:p>
-              <a:r>
-                <a:rPr lang="es-MX" sz="1100" dirty="0" err="1" smtClean="0"/>
-                <a:t>Name</a:t>
-              </a:r>
-              <a:endParaRPr lang="es-MX" sz="1100" dirty="0" smtClean="0"/>
-            </a:p>
-            <a:p>
-              <a:r>
-                <a:rPr lang="es-MX" sz="1100" dirty="0" err="1" smtClean="0"/>
-                <a:t>LastName</a:t>
-              </a:r>
-              <a:endParaRPr lang="es-MX" sz="1100" dirty="0" smtClean="0"/>
-            </a:p>
-            <a:p>
-              <a:r>
-                <a:rPr lang="es-MX" sz="1100" dirty="0" smtClean="0"/>
-                <a:t>Mail</a:t>
-              </a:r>
-            </a:p>
-            <a:p>
-              <a:r>
-                <a:rPr lang="es-MX" sz="1100" dirty="0" err="1" smtClean="0"/>
-                <a:t>Birthday</a:t>
-              </a:r>
-              <a:endParaRPr lang="es-MX" sz="1100" dirty="0" smtClean="0"/>
-            </a:p>
-            <a:p>
-              <a:r>
-                <a:rPr lang="es-MX" sz="1100" dirty="0" err="1" smtClean="0"/>
-                <a:t>Password</a:t>
-              </a:r>
-              <a:endParaRPr lang="es-MX" sz="1100" dirty="0" smtClean="0"/>
-            </a:p>
-            <a:p>
-              <a:r>
-                <a:rPr lang="es-MX" sz="1100" dirty="0" err="1" smtClean="0"/>
-                <a:t>Lenguage</a:t>
-              </a:r>
-              <a:endParaRPr lang="es-MX" sz="1100" dirty="0" smtClean="0"/>
-            </a:p>
-            <a:p>
-              <a:r>
-                <a:rPr lang="es-MX" sz="1100" dirty="0" err="1" smtClean="0"/>
-                <a:t>Heart</a:t>
-              </a:r>
-              <a:r>
-                <a:rPr lang="es-MX" sz="1100" dirty="0"/>
-                <a:t> </a:t>
-              </a:r>
-              <a:r>
-                <a:rPr lang="es-MX" sz="1100" dirty="0" smtClean="0"/>
-                <a:t>(Estadística de mercado)</a:t>
-              </a:r>
-            </a:p>
-            <a:p>
-              <a:r>
-                <a:rPr lang="es-MX" sz="1100" dirty="0" err="1" smtClean="0"/>
-                <a:t>SecCode</a:t>
-              </a:r>
-              <a:r>
-                <a:rPr lang="es-MX" sz="1100" dirty="0"/>
-                <a:t> </a:t>
-              </a:r>
-              <a:r>
-                <a:rPr lang="es-MX" sz="1100" dirty="0" smtClean="0"/>
-                <a:t>(</a:t>
-              </a:r>
-              <a:r>
-                <a:rPr lang="es-MX" sz="1100" dirty="0" err="1" smtClean="0"/>
-                <a:t>BinCode</a:t>
-              </a:r>
-              <a:r>
-                <a:rPr lang="es-MX" sz="1100" dirty="0" smtClean="0"/>
-                <a:t>)</a:t>
-              </a:r>
-            </a:p>
-          </p:txBody>
-        </p:sp>
-        <p:sp>
-          <p:nvSpPr>
-            <p:cNvPr id="5" name="Rectangle 4"/>
-            <p:cNvSpPr/>
-            <p:nvPr/>
-          </p:nvSpPr>
-          <p:spPr>
-            <a:xfrm>
-              <a:off x="515153" y="4811331"/>
-              <a:ext cx="1452091" cy="1313646"/>
-            </a:xfrm>
-            <a:prstGeom prst="rect">
-              <a:avLst/>
-            </a:prstGeom>
-          </p:spPr>
-          <p:style>
-            <a:lnRef idx="2">
-              <a:schemeClr val="accent1">
-                <a:shade val="50000"/>
-              </a:schemeClr>
-            </a:lnRef>
-            <a:fillRef idx="1">
-              <a:schemeClr val="accent1"/>
-            </a:fillRef>
-            <a:effectRef idx="0">
-              <a:schemeClr val="accent1"/>
-            </a:effectRef>
-            <a:fontRef idx="minor">
-              <a:schemeClr val="lt1"/>
-            </a:fontRef>
-          </p:style>
-          <p:txBody>
-            <a:bodyPr rtlCol="0" anchor="ctr"/>
-            <a:lstStyle/>
-            <a:p>
-              <a:pPr algn="ctr"/>
-              <a:r>
-                <a:rPr lang="es-MX" sz="1100" b="1" dirty="0" smtClean="0"/>
-                <a:t>BUBBLES</a:t>
-              </a:r>
-              <a:endParaRPr lang="es-MX" sz="1100" b="1" dirty="0" smtClean="0"/>
-            </a:p>
-            <a:p>
-              <a:r>
-                <a:rPr lang="es-MX" sz="1100" dirty="0" smtClean="0"/>
-                <a:t>ID</a:t>
-              </a:r>
-            </a:p>
-            <a:p>
-              <a:r>
-                <a:rPr lang="es-MX" sz="1100" dirty="0" err="1" smtClean="0"/>
-                <a:t>Bubble</a:t>
-              </a:r>
-              <a:endParaRPr lang="es-MX" sz="1100" dirty="0" smtClean="0"/>
-            </a:p>
-            <a:p>
-              <a:r>
-                <a:rPr lang="es-MX" sz="1100" dirty="0" err="1" smtClean="0"/>
-                <a:t>Location</a:t>
-              </a:r>
-              <a:endParaRPr lang="es-MX" sz="1100" dirty="0" smtClean="0"/>
-            </a:p>
-            <a:p>
-              <a:r>
-                <a:rPr lang="es-MX" sz="1100" dirty="0" smtClean="0"/>
-                <a:t>Timestamp</a:t>
-              </a:r>
-            </a:p>
-            <a:p>
-              <a:r>
-                <a:rPr lang="es-MX" sz="1100" dirty="0" err="1" smtClean="0"/>
-                <a:t>Hearts</a:t>
-              </a:r>
-              <a:endParaRPr lang="es-MX" sz="1100" dirty="0" smtClean="0"/>
-            </a:p>
-            <a:p>
-              <a:r>
-                <a:rPr lang="es-MX" sz="1100" dirty="0" err="1" smtClean="0"/>
-                <a:t>UserID</a:t>
-              </a:r>
-              <a:endParaRPr lang="es-MX" sz="1100" dirty="0" smtClean="0"/>
-            </a:p>
-          </p:txBody>
-        </p:sp>
-        <p:sp>
-          <p:nvSpPr>
-            <p:cNvPr id="6" name="Rectangle 5"/>
-            <p:cNvSpPr/>
-            <p:nvPr/>
-          </p:nvSpPr>
-          <p:spPr>
-            <a:xfrm>
-              <a:off x="3581221" y="154545"/>
-              <a:ext cx="1537057" cy="1484549"/>
-            </a:xfrm>
-            <a:prstGeom prst="rect">
-              <a:avLst/>
-            </a:prstGeom>
-          </p:spPr>
-          <p:style>
-            <a:lnRef idx="2">
-              <a:schemeClr val="accent1">
-                <a:shade val="50000"/>
-              </a:schemeClr>
-            </a:lnRef>
-            <a:fillRef idx="1">
-              <a:schemeClr val="accent1"/>
-            </a:fillRef>
-            <a:effectRef idx="0">
-              <a:schemeClr val="accent1"/>
-            </a:effectRef>
-            <a:fontRef idx="minor">
-              <a:schemeClr val="lt1"/>
-            </a:fontRef>
-          </p:style>
-          <p:txBody>
-            <a:bodyPr rtlCol="0" anchor="ctr"/>
-            <a:lstStyle/>
-            <a:p>
-              <a:pPr algn="ctr"/>
-              <a:r>
-                <a:rPr lang="es-MX" sz="1100" b="1" dirty="0" smtClean="0"/>
-                <a:t>MEDIA (</a:t>
-              </a:r>
-              <a:r>
-                <a:rPr lang="es-MX" sz="1100" b="1" dirty="0" err="1" smtClean="0"/>
-                <a:t>Images</a:t>
-              </a:r>
-              <a:r>
-                <a:rPr lang="es-MX" sz="1100" b="1" dirty="0" smtClean="0"/>
-                <a:t>, videos, </a:t>
-              </a:r>
-              <a:r>
-                <a:rPr lang="es-MX" sz="1100" b="1" dirty="0" err="1" smtClean="0"/>
-                <a:t>music</a:t>
-              </a:r>
-              <a:r>
-                <a:rPr lang="es-MX" sz="1100" b="1" dirty="0" smtClean="0"/>
-                <a:t>, </a:t>
-              </a:r>
-              <a:r>
-                <a:rPr lang="es-MX" sz="1100" b="1" dirty="0" err="1" smtClean="0"/>
-                <a:t>books</a:t>
-              </a:r>
-              <a:r>
-                <a:rPr lang="es-MX" sz="1100" b="1" dirty="0" smtClean="0"/>
-                <a:t>)</a:t>
-              </a:r>
-            </a:p>
-            <a:p>
-              <a:r>
-                <a:rPr lang="es-MX" sz="1100" dirty="0" smtClean="0"/>
-                <a:t>ID</a:t>
-              </a:r>
-            </a:p>
-            <a:p>
-              <a:r>
-                <a:rPr lang="es-MX" sz="1100" dirty="0" err="1" smtClean="0"/>
-                <a:t>Name</a:t>
-              </a:r>
-              <a:endParaRPr lang="es-MX" sz="1100" dirty="0" smtClean="0"/>
-            </a:p>
-            <a:p>
-              <a:r>
-                <a:rPr lang="es-MX" sz="1100" dirty="0" err="1" smtClean="0"/>
-                <a:t>Image</a:t>
-              </a:r>
-              <a:r>
-                <a:rPr lang="es-MX" sz="1100" dirty="0" smtClean="0"/>
-                <a:t> </a:t>
-              </a:r>
-              <a:r>
-                <a:rPr lang="es-MX" sz="1100" dirty="0" err="1" smtClean="0"/>
-                <a:t>or</a:t>
-              </a:r>
-              <a:r>
-                <a:rPr lang="es-MX" sz="1100" dirty="0" smtClean="0"/>
-                <a:t> Video</a:t>
-              </a:r>
-            </a:p>
-            <a:p>
-              <a:r>
-                <a:rPr lang="es-MX" sz="1100" dirty="0" err="1" smtClean="0"/>
-                <a:t>Author</a:t>
-              </a:r>
-              <a:endParaRPr lang="es-MX" sz="1100" dirty="0" smtClean="0"/>
-            </a:p>
-            <a:p>
-              <a:r>
-                <a:rPr lang="es-MX" sz="1100" dirty="0" smtClean="0"/>
-                <a:t>Timestamp</a:t>
-              </a:r>
-            </a:p>
-            <a:p>
-              <a:r>
-                <a:rPr lang="es-MX" sz="1100" dirty="0" err="1" smtClean="0"/>
-                <a:t>Hearts</a:t>
-              </a:r>
-              <a:endParaRPr lang="es-MX" sz="1100" dirty="0" smtClean="0"/>
-            </a:p>
-          </p:txBody>
-        </p:sp>
-        <p:sp>
-          <p:nvSpPr>
-            <p:cNvPr id="7" name="Rectangle 6"/>
-            <p:cNvSpPr/>
-            <p:nvPr/>
-          </p:nvSpPr>
-          <p:spPr>
-            <a:xfrm>
-              <a:off x="515153" y="2911697"/>
-              <a:ext cx="1823529" cy="1044259"/>
-            </a:xfrm>
-            <a:prstGeom prst="rect">
-              <a:avLst/>
-            </a:prstGeom>
-          </p:spPr>
-          <p:style>
-            <a:lnRef idx="2">
-              <a:schemeClr val="accent1">
-                <a:shade val="50000"/>
-              </a:schemeClr>
-            </a:lnRef>
-            <a:fillRef idx="1">
-              <a:schemeClr val="accent1"/>
-            </a:fillRef>
-            <a:effectRef idx="0">
-              <a:schemeClr val="accent1"/>
-            </a:effectRef>
-            <a:fontRef idx="minor">
-              <a:schemeClr val="lt1"/>
-            </a:fontRef>
-          </p:style>
-          <p:txBody>
-            <a:bodyPr rtlCol="0" anchor="ctr"/>
-            <a:lstStyle/>
-            <a:p>
-              <a:pPr algn="ctr"/>
-              <a:r>
-                <a:rPr lang="es-MX" sz="1100" b="1" dirty="0" smtClean="0"/>
-                <a:t>RELATIONS</a:t>
-              </a:r>
-            </a:p>
-            <a:p>
-              <a:r>
-                <a:rPr lang="es-MX" sz="1100" dirty="0" smtClean="0"/>
-                <a:t>ID</a:t>
-              </a:r>
-            </a:p>
-            <a:p>
-              <a:r>
-                <a:rPr lang="es-MX" sz="1100" dirty="0" smtClean="0"/>
-                <a:t>User1</a:t>
-              </a:r>
-            </a:p>
-            <a:p>
-              <a:r>
-                <a:rPr lang="es-MX" sz="1100" dirty="0" smtClean="0"/>
-                <a:t>User2</a:t>
-              </a:r>
-            </a:p>
-            <a:p>
-              <a:r>
-                <a:rPr lang="es-MX" sz="1100" dirty="0" smtClean="0"/>
-                <a:t>Status (0 </a:t>
-              </a:r>
-              <a:r>
-                <a:rPr lang="es-MX" sz="1100" dirty="0" err="1" smtClean="0"/>
-                <a:t>Friend</a:t>
-              </a:r>
-              <a:r>
-                <a:rPr lang="es-MX" sz="1100" dirty="0" smtClean="0"/>
-                <a:t>, 1 </a:t>
-              </a:r>
-              <a:r>
-                <a:rPr lang="es-MX" sz="1100" dirty="0" err="1" smtClean="0"/>
-                <a:t>Related</a:t>
-              </a:r>
-              <a:r>
-                <a:rPr lang="es-MX" sz="1100" dirty="0" smtClean="0"/>
-                <a:t>)</a:t>
-              </a:r>
-            </a:p>
-          </p:txBody>
-        </p:sp>
-        <p:sp>
-          <p:nvSpPr>
-            <p:cNvPr id="8" name="Rectangle 7"/>
-            <p:cNvSpPr/>
-            <p:nvPr/>
-          </p:nvSpPr>
-          <p:spPr>
-            <a:xfrm>
-              <a:off x="3581221" y="2423369"/>
-              <a:ext cx="1071093" cy="1518990"/>
-            </a:xfrm>
-            <a:prstGeom prst="rect">
-              <a:avLst/>
-            </a:prstGeom>
-          </p:spPr>
-          <p:style>
-            <a:lnRef idx="2">
-              <a:schemeClr val="accent1">
-                <a:shade val="50000"/>
-              </a:schemeClr>
-            </a:lnRef>
-            <a:fillRef idx="1">
-              <a:schemeClr val="accent1"/>
-            </a:fillRef>
-            <a:effectRef idx="0">
-              <a:schemeClr val="accent1"/>
-            </a:effectRef>
-            <a:fontRef idx="minor">
-              <a:schemeClr val="lt1"/>
-            </a:fontRef>
-          </p:style>
-          <p:txBody>
-            <a:bodyPr rtlCol="0" anchor="ctr"/>
-            <a:lstStyle/>
-            <a:p>
-              <a:pPr algn="ctr"/>
-              <a:r>
-                <a:rPr lang="es-MX" sz="1100" b="1" dirty="0" smtClean="0"/>
-                <a:t>PUBLICITY</a:t>
-              </a:r>
-            </a:p>
-            <a:p>
-              <a:r>
-                <a:rPr lang="es-MX" sz="1100" dirty="0" smtClean="0"/>
-                <a:t>ID</a:t>
-              </a:r>
-            </a:p>
-            <a:p>
-              <a:r>
-                <a:rPr lang="es-MX" sz="1100" dirty="0" err="1" smtClean="0"/>
-                <a:t>Company</a:t>
-              </a:r>
-              <a:endParaRPr lang="es-MX" sz="1100" dirty="0" smtClean="0"/>
-            </a:p>
-            <a:p>
-              <a:r>
-                <a:rPr lang="es-MX" sz="1100" dirty="0" err="1" smtClean="0"/>
-                <a:t>Publicity</a:t>
-              </a:r>
-              <a:r>
-                <a:rPr lang="es-MX" sz="1100" dirty="0" smtClean="0"/>
-                <a:t> </a:t>
-              </a:r>
-              <a:r>
-                <a:rPr lang="es-MX" sz="1100" dirty="0" err="1" smtClean="0"/>
-                <a:t>Image</a:t>
-              </a:r>
-              <a:endParaRPr lang="es-MX" sz="1100" dirty="0" smtClean="0"/>
-            </a:p>
-            <a:p>
-              <a:r>
-                <a:rPr lang="es-MX" sz="1100" dirty="0" err="1" smtClean="0"/>
-                <a:t>Hearts</a:t>
-              </a:r>
-              <a:endParaRPr lang="es-MX" sz="1100" dirty="0" smtClean="0"/>
-            </a:p>
-            <a:p>
-              <a:r>
-                <a:rPr lang="es-MX" sz="1100" dirty="0" err="1" smtClean="0"/>
-                <a:t>Webpage</a:t>
-              </a:r>
-              <a:endParaRPr lang="es-MX" sz="1100" dirty="0" smtClean="0"/>
-            </a:p>
-            <a:p>
-              <a:r>
-                <a:rPr lang="es-MX" sz="1100" dirty="0" err="1" smtClean="0"/>
-                <a:t>Amount</a:t>
-              </a:r>
-              <a:endParaRPr lang="es-MX" sz="1100" dirty="0" smtClean="0"/>
-            </a:p>
-          </p:txBody>
-        </p:sp>
-        <p:sp>
-          <p:nvSpPr>
-            <p:cNvPr id="9" name="Rectangle 8"/>
-            <p:cNvSpPr/>
-            <p:nvPr/>
-          </p:nvSpPr>
-          <p:spPr>
-            <a:xfrm>
-              <a:off x="5446421" y="2423369"/>
-              <a:ext cx="1071093" cy="1579275"/>
-            </a:xfrm>
-            <a:prstGeom prst="rect">
-              <a:avLst/>
-            </a:prstGeom>
-          </p:spPr>
-          <p:style>
-            <a:lnRef idx="2">
-              <a:schemeClr val="accent1">
-                <a:shade val="50000"/>
-              </a:schemeClr>
-            </a:lnRef>
-            <a:fillRef idx="1">
-              <a:schemeClr val="accent1"/>
-            </a:fillRef>
-            <a:effectRef idx="0">
-              <a:schemeClr val="accent1"/>
-            </a:effectRef>
-            <a:fontRef idx="minor">
-              <a:schemeClr val="lt1"/>
-            </a:fontRef>
-          </p:style>
-          <p:txBody>
-            <a:bodyPr rtlCol="0" anchor="ctr"/>
-            <a:lstStyle/>
-            <a:p>
-              <a:pPr algn="ctr"/>
-              <a:r>
-                <a:rPr lang="es-MX" sz="1100" b="1" dirty="0" smtClean="0"/>
-                <a:t>EVENTS</a:t>
-              </a:r>
-            </a:p>
-            <a:p>
-              <a:r>
-                <a:rPr lang="es-MX" sz="1100" dirty="0" smtClean="0"/>
-                <a:t>ID</a:t>
-              </a:r>
-            </a:p>
-            <a:p>
-              <a:r>
-                <a:rPr lang="es-MX" sz="1100" dirty="0" err="1" smtClean="0"/>
-                <a:t>Name</a:t>
-              </a:r>
-              <a:endParaRPr lang="es-MX" sz="1100" dirty="0" smtClean="0"/>
-            </a:p>
-            <a:p>
-              <a:r>
-                <a:rPr lang="es-MX" sz="1100" dirty="0" smtClean="0"/>
-                <a:t>Date</a:t>
-              </a:r>
-            </a:p>
-            <a:p>
-              <a:r>
-                <a:rPr lang="es-MX" sz="1100" dirty="0" err="1" smtClean="0"/>
-                <a:t>Location</a:t>
-              </a:r>
-              <a:endParaRPr lang="es-MX" sz="1100" dirty="0" smtClean="0"/>
-            </a:p>
-            <a:p>
-              <a:r>
-                <a:rPr lang="es-MX" sz="1100" dirty="0" err="1" smtClean="0"/>
-                <a:t>Company</a:t>
-              </a:r>
-              <a:endParaRPr lang="es-MX" sz="1100" dirty="0" smtClean="0"/>
-            </a:p>
-            <a:p>
-              <a:r>
-                <a:rPr lang="es-MX" sz="1100" dirty="0" err="1" smtClean="0"/>
-                <a:t>Amount</a:t>
-              </a:r>
-              <a:endParaRPr lang="es-MX" sz="1100" dirty="0" smtClean="0"/>
-            </a:p>
-            <a:p>
-              <a:r>
-                <a:rPr lang="es-MX" sz="1100" dirty="0" err="1" smtClean="0"/>
-                <a:t>Hearts</a:t>
-              </a:r>
-              <a:endParaRPr lang="es-MX" sz="1100" dirty="0" smtClean="0"/>
-            </a:p>
-          </p:txBody>
-        </p:sp>
-        <p:sp>
-          <p:nvSpPr>
-            <p:cNvPr id="10" name="Rectangle 9"/>
-            <p:cNvSpPr/>
-            <p:nvPr/>
-          </p:nvSpPr>
-          <p:spPr>
-            <a:xfrm>
-              <a:off x="3581221" y="4811331"/>
-              <a:ext cx="987382" cy="846320"/>
-            </a:xfrm>
-            <a:prstGeom prst="rect">
-              <a:avLst/>
-            </a:prstGeom>
-          </p:spPr>
-          <p:style>
-            <a:lnRef idx="2">
-              <a:schemeClr val="accent1">
-                <a:shade val="50000"/>
-              </a:schemeClr>
-            </a:lnRef>
-            <a:fillRef idx="1">
-              <a:schemeClr val="accent1"/>
-            </a:fillRef>
-            <a:effectRef idx="0">
-              <a:schemeClr val="accent1"/>
-            </a:effectRef>
-            <a:fontRef idx="minor">
-              <a:schemeClr val="lt1"/>
-            </a:fontRef>
-          </p:style>
-          <p:txBody>
-            <a:bodyPr rtlCol="0" anchor="ctr"/>
-            <a:lstStyle/>
-            <a:p>
-              <a:pPr algn="ctr"/>
-              <a:r>
-                <a:rPr lang="es-MX" sz="1100" b="1" dirty="0" smtClean="0"/>
-                <a:t>CHAT</a:t>
-              </a:r>
-            </a:p>
-            <a:p>
-              <a:r>
-                <a:rPr lang="es-MX" sz="1100" dirty="0" smtClean="0"/>
-                <a:t>ID</a:t>
-              </a:r>
-            </a:p>
-            <a:p>
-              <a:r>
-                <a:rPr lang="es-MX" sz="1100" dirty="0" err="1" smtClean="0"/>
-                <a:t>Message</a:t>
-              </a:r>
-              <a:endParaRPr lang="es-MX" sz="1100" dirty="0" smtClean="0"/>
-            </a:p>
-            <a:p>
-              <a:r>
-                <a:rPr lang="es-MX" sz="1100" dirty="0" err="1" smtClean="0"/>
-                <a:t>IdRelation</a:t>
-              </a:r>
-              <a:endParaRPr lang="es-MX" sz="1100" dirty="0" smtClean="0"/>
-            </a:p>
-          </p:txBody>
-        </p:sp>
+          </p:grpSpPr>
+          <p:grpSp>
+            <p:nvGrpSpPr>
+              <p:cNvPr id="30" name="Group 29"/>
+              <p:cNvGrpSpPr/>
+              <p:nvPr/>
+            </p:nvGrpSpPr>
+            <p:grpSpPr>
+              <a:xfrm>
+                <a:off x="242060" y="154545"/>
+                <a:ext cx="6275454" cy="5970432"/>
+                <a:chOff x="242060" y="154545"/>
+                <a:chExt cx="6275454" cy="5970432"/>
+              </a:xfrm>
+            </p:grpSpPr>
+            <p:sp>
+              <p:nvSpPr>
+                <p:cNvPr id="4" name="Rectangle 3"/>
+                <p:cNvSpPr/>
+                <p:nvPr/>
+              </p:nvSpPr>
+              <p:spPr>
+                <a:xfrm>
+                  <a:off x="515156" y="154545"/>
+                  <a:ext cx="1983346" cy="1854559"/>
+                </a:xfrm>
+                <a:prstGeom prst="rect">
+                  <a:avLst/>
+                </a:prstGeom>
+              </p:spPr>
+              <p:style>
+                <a:lnRef idx="1">
+                  <a:schemeClr val="accent1"/>
+                </a:lnRef>
+                <a:fillRef idx="3">
+                  <a:schemeClr val="accent1"/>
+                </a:fillRef>
+                <a:effectRef idx="2">
+                  <a:schemeClr val="accent1"/>
+                </a:effectRef>
+                <a:fontRef idx="minor">
+                  <a:schemeClr val="lt1"/>
+                </a:fontRef>
+              </p:style>
+              <p:txBody>
+                <a:bodyPr rtlCol="0" anchor="ctr"/>
+                <a:lstStyle/>
+                <a:p>
+                  <a:pPr algn="ctr"/>
+                  <a:r>
+                    <a:rPr lang="es-MX" sz="1100" b="1" dirty="0" smtClean="0"/>
+                    <a:t>USERS</a:t>
+                  </a:r>
+                </a:p>
+                <a:p>
+                  <a:r>
+                    <a:rPr lang="es-MX" sz="1100" dirty="0" smtClean="0"/>
+                    <a:t>ID</a:t>
+                  </a:r>
+                </a:p>
+                <a:p>
+                  <a:r>
+                    <a:rPr lang="es-MX" sz="1100" dirty="0" err="1" smtClean="0"/>
+                    <a:t>Name</a:t>
+                  </a:r>
+                  <a:endParaRPr lang="es-MX" sz="1100" dirty="0" smtClean="0"/>
+                </a:p>
+                <a:p>
+                  <a:r>
+                    <a:rPr lang="es-MX" sz="1100" dirty="0" err="1" smtClean="0"/>
+                    <a:t>LastName</a:t>
+                  </a:r>
+                  <a:endParaRPr lang="es-MX" sz="1100" dirty="0" smtClean="0"/>
+                </a:p>
+                <a:p>
+                  <a:r>
+                    <a:rPr lang="es-MX" sz="1100" dirty="0" smtClean="0"/>
+                    <a:t>Mail</a:t>
+                  </a:r>
+                </a:p>
+                <a:p>
+                  <a:r>
+                    <a:rPr lang="es-MX" sz="1100" dirty="0" err="1" smtClean="0"/>
+                    <a:t>Birthday</a:t>
+                  </a:r>
+                  <a:endParaRPr lang="es-MX" sz="1100" dirty="0" smtClean="0"/>
+                </a:p>
+                <a:p>
+                  <a:r>
+                    <a:rPr lang="es-MX" sz="1100" dirty="0" err="1" smtClean="0"/>
+                    <a:t>Password</a:t>
+                  </a:r>
+                  <a:endParaRPr lang="es-MX" sz="1100" dirty="0" smtClean="0"/>
+                </a:p>
+                <a:p>
+                  <a:r>
+                    <a:rPr lang="es-MX" sz="1100" dirty="0" err="1" smtClean="0"/>
+                    <a:t>Lenguage</a:t>
+                  </a:r>
+                  <a:endParaRPr lang="es-MX" sz="1100" dirty="0" smtClean="0"/>
+                </a:p>
+                <a:p>
+                  <a:r>
+                    <a:rPr lang="es-MX" sz="1100" dirty="0" err="1" smtClean="0"/>
+                    <a:t>Heart</a:t>
+                  </a:r>
+                  <a:r>
+                    <a:rPr lang="es-MX" sz="1100" dirty="0"/>
+                    <a:t> </a:t>
+                  </a:r>
+                  <a:r>
+                    <a:rPr lang="es-MX" sz="1100" dirty="0" smtClean="0"/>
+                    <a:t>(Estadística de mercado)</a:t>
+                  </a:r>
+                </a:p>
+                <a:p>
+                  <a:r>
+                    <a:rPr lang="es-MX" sz="1100" dirty="0" err="1" smtClean="0"/>
+                    <a:t>SecCode</a:t>
+                  </a:r>
+                  <a:r>
+                    <a:rPr lang="es-MX" sz="1100" dirty="0"/>
+                    <a:t> </a:t>
+                  </a:r>
+                  <a:r>
+                    <a:rPr lang="es-MX" sz="1100" dirty="0" smtClean="0"/>
+                    <a:t>(</a:t>
+                  </a:r>
+                  <a:r>
+                    <a:rPr lang="es-MX" sz="1100" dirty="0" err="1" smtClean="0"/>
+                    <a:t>BinCode</a:t>
+                  </a:r>
+                  <a:r>
+                    <a:rPr lang="es-MX" sz="1100" dirty="0" smtClean="0"/>
+                    <a:t>)</a:t>
+                  </a:r>
+                </a:p>
+              </p:txBody>
+            </p:sp>
+            <p:sp>
+              <p:nvSpPr>
+                <p:cNvPr id="5" name="Rectangle 4"/>
+                <p:cNvSpPr/>
+                <p:nvPr/>
+              </p:nvSpPr>
+              <p:spPr>
+                <a:xfrm>
+                  <a:off x="515153" y="4811331"/>
+                  <a:ext cx="1452091" cy="1313646"/>
+                </a:xfrm>
+                <a:prstGeom prst="rect">
+                  <a:avLst/>
+                </a:prstGeom>
+              </p:spPr>
+              <p:style>
+                <a:lnRef idx="2">
+                  <a:schemeClr val="accent1">
+                    <a:shade val="50000"/>
+                  </a:schemeClr>
+                </a:lnRef>
+                <a:fillRef idx="1">
+                  <a:schemeClr val="accent1"/>
+                </a:fillRef>
+                <a:effectRef idx="0">
+                  <a:schemeClr val="accent1"/>
+                </a:effectRef>
+                <a:fontRef idx="minor">
+                  <a:schemeClr val="lt1"/>
+                </a:fontRef>
+              </p:style>
+              <p:txBody>
+                <a:bodyPr rtlCol="0" anchor="ctr"/>
+                <a:lstStyle/>
+                <a:p>
+                  <a:pPr algn="ctr"/>
+                  <a:r>
+                    <a:rPr lang="es-MX" sz="1100" b="1" dirty="0" smtClean="0"/>
+                    <a:t>BUBBLES</a:t>
+                  </a:r>
+                </a:p>
+                <a:p>
+                  <a:r>
+                    <a:rPr lang="es-MX" sz="1100" dirty="0" smtClean="0"/>
+                    <a:t>ID</a:t>
+                  </a:r>
+                </a:p>
+                <a:p>
+                  <a:r>
+                    <a:rPr lang="es-MX" sz="1100" dirty="0" err="1" smtClean="0"/>
+                    <a:t>Bubble</a:t>
+                  </a:r>
+                  <a:endParaRPr lang="es-MX" sz="1100" dirty="0" smtClean="0"/>
+                </a:p>
+                <a:p>
+                  <a:r>
+                    <a:rPr lang="es-MX" sz="1100" dirty="0" err="1" smtClean="0"/>
+                    <a:t>Location</a:t>
+                  </a:r>
+                  <a:endParaRPr lang="es-MX" sz="1100" dirty="0" smtClean="0"/>
+                </a:p>
+                <a:p>
+                  <a:r>
+                    <a:rPr lang="es-MX" sz="1100" dirty="0" smtClean="0"/>
+                    <a:t>Timestamp</a:t>
+                  </a:r>
+                </a:p>
+                <a:p>
+                  <a:r>
+                    <a:rPr lang="es-MX" sz="1100" dirty="0" err="1" smtClean="0"/>
+                    <a:t>Hearts</a:t>
+                  </a:r>
+                  <a:endParaRPr lang="es-MX" sz="1100" dirty="0" smtClean="0"/>
+                </a:p>
+                <a:p>
+                  <a:r>
+                    <a:rPr lang="es-MX" sz="1100" dirty="0" err="1" smtClean="0"/>
+                    <a:t>UserID</a:t>
+                  </a:r>
+                  <a:endParaRPr lang="es-MX" sz="1100" dirty="0" smtClean="0"/>
+                </a:p>
+              </p:txBody>
+            </p:sp>
+            <p:sp>
+              <p:nvSpPr>
+                <p:cNvPr id="6" name="Rectangle 5"/>
+                <p:cNvSpPr/>
+                <p:nvPr/>
+              </p:nvSpPr>
+              <p:spPr>
+                <a:xfrm>
+                  <a:off x="3581221" y="154545"/>
+                  <a:ext cx="1537057" cy="1484549"/>
+                </a:xfrm>
+                <a:prstGeom prst="rect">
+                  <a:avLst/>
+                </a:prstGeom>
+              </p:spPr>
+              <p:style>
+                <a:lnRef idx="2">
+                  <a:schemeClr val="accent1">
+                    <a:shade val="50000"/>
+                  </a:schemeClr>
+                </a:lnRef>
+                <a:fillRef idx="1">
+                  <a:schemeClr val="accent1"/>
+                </a:fillRef>
+                <a:effectRef idx="0">
+                  <a:schemeClr val="accent1"/>
+                </a:effectRef>
+                <a:fontRef idx="minor">
+                  <a:schemeClr val="lt1"/>
+                </a:fontRef>
+              </p:style>
+              <p:txBody>
+                <a:bodyPr rtlCol="0" anchor="ctr"/>
+                <a:lstStyle/>
+                <a:p>
+                  <a:pPr algn="ctr"/>
+                  <a:r>
+                    <a:rPr lang="es-MX" sz="1100" b="1" dirty="0" smtClean="0"/>
+                    <a:t>MEDIA (</a:t>
+                  </a:r>
+                  <a:r>
+                    <a:rPr lang="es-MX" sz="1100" b="1" dirty="0" err="1" smtClean="0"/>
+                    <a:t>Images</a:t>
+                  </a:r>
+                  <a:r>
+                    <a:rPr lang="es-MX" sz="1100" b="1" dirty="0" smtClean="0"/>
+                    <a:t>, videos, </a:t>
+                  </a:r>
+                  <a:r>
+                    <a:rPr lang="es-MX" sz="1100" b="1" dirty="0" err="1" smtClean="0"/>
+                    <a:t>music</a:t>
+                  </a:r>
+                  <a:r>
+                    <a:rPr lang="es-MX" sz="1100" b="1" dirty="0" smtClean="0"/>
+                    <a:t>, </a:t>
+                  </a:r>
+                  <a:r>
+                    <a:rPr lang="es-MX" sz="1100" b="1" dirty="0" err="1" smtClean="0"/>
+                    <a:t>books</a:t>
+                  </a:r>
+                  <a:r>
+                    <a:rPr lang="es-MX" sz="1100" b="1" dirty="0" smtClean="0"/>
+                    <a:t>)</a:t>
+                  </a:r>
+                </a:p>
+                <a:p>
+                  <a:r>
+                    <a:rPr lang="es-MX" sz="1100" dirty="0" smtClean="0"/>
+                    <a:t>ID</a:t>
+                  </a:r>
+                </a:p>
+                <a:p>
+                  <a:r>
+                    <a:rPr lang="es-MX" sz="1100" dirty="0" err="1" smtClean="0"/>
+                    <a:t>Name</a:t>
+                  </a:r>
+                  <a:endParaRPr lang="es-MX" sz="1100" dirty="0" smtClean="0"/>
+                </a:p>
+                <a:p>
+                  <a:r>
+                    <a:rPr lang="es-MX" sz="1100" dirty="0" err="1" smtClean="0"/>
+                    <a:t>Image</a:t>
+                  </a:r>
+                  <a:r>
+                    <a:rPr lang="es-MX" sz="1100" dirty="0" smtClean="0"/>
+                    <a:t> </a:t>
+                  </a:r>
+                  <a:r>
+                    <a:rPr lang="es-MX" sz="1100" dirty="0" err="1" smtClean="0"/>
+                    <a:t>or</a:t>
+                  </a:r>
+                  <a:r>
+                    <a:rPr lang="es-MX" sz="1100" dirty="0" smtClean="0"/>
+                    <a:t> Video</a:t>
+                  </a:r>
+                </a:p>
+                <a:p>
+                  <a:r>
+                    <a:rPr lang="es-MX" sz="1100" dirty="0" err="1" smtClean="0"/>
+                    <a:t>Author</a:t>
+                  </a:r>
+                  <a:endParaRPr lang="es-MX" sz="1100" dirty="0" smtClean="0"/>
+                </a:p>
+                <a:p>
+                  <a:r>
+                    <a:rPr lang="es-MX" sz="1100" dirty="0" smtClean="0"/>
+                    <a:t>Timestamp</a:t>
+                  </a:r>
+                </a:p>
+                <a:p>
+                  <a:r>
+                    <a:rPr lang="es-MX" sz="1100" dirty="0" err="1" smtClean="0"/>
+                    <a:t>Hearts</a:t>
+                  </a:r>
+                  <a:endParaRPr lang="es-MX" sz="1100" dirty="0" smtClean="0"/>
+                </a:p>
+              </p:txBody>
+            </p:sp>
+            <p:sp>
+              <p:nvSpPr>
+                <p:cNvPr id="7" name="Rectangle 6"/>
+                <p:cNvSpPr/>
+                <p:nvPr/>
+              </p:nvSpPr>
+              <p:spPr>
+                <a:xfrm>
+                  <a:off x="515153" y="2911697"/>
+                  <a:ext cx="1823529" cy="1044259"/>
+                </a:xfrm>
+                <a:prstGeom prst="rect">
+                  <a:avLst/>
+                </a:prstGeom>
+              </p:spPr>
+              <p:style>
+                <a:lnRef idx="2">
+                  <a:schemeClr val="accent1">
+                    <a:shade val="50000"/>
+                  </a:schemeClr>
+                </a:lnRef>
+                <a:fillRef idx="1">
+                  <a:schemeClr val="accent1"/>
+                </a:fillRef>
+                <a:effectRef idx="0">
+                  <a:schemeClr val="accent1"/>
+                </a:effectRef>
+                <a:fontRef idx="minor">
+                  <a:schemeClr val="lt1"/>
+                </a:fontRef>
+              </p:style>
+              <p:txBody>
+                <a:bodyPr rtlCol="0" anchor="ctr"/>
+                <a:lstStyle/>
+                <a:p>
+                  <a:pPr algn="ctr"/>
+                  <a:r>
+                    <a:rPr lang="es-MX" sz="1100" b="1" dirty="0" smtClean="0"/>
+                    <a:t>RELATIONS</a:t>
+                  </a:r>
+                </a:p>
+                <a:p>
+                  <a:r>
+                    <a:rPr lang="es-MX" sz="1100" dirty="0" smtClean="0"/>
+                    <a:t>ID</a:t>
+                  </a:r>
+                </a:p>
+                <a:p>
+                  <a:r>
+                    <a:rPr lang="es-MX" sz="1100" dirty="0" smtClean="0"/>
+                    <a:t>User1</a:t>
+                  </a:r>
+                </a:p>
+                <a:p>
+                  <a:r>
+                    <a:rPr lang="es-MX" sz="1100" dirty="0" smtClean="0"/>
+                    <a:t>User2</a:t>
+                  </a:r>
+                </a:p>
+                <a:p>
+                  <a:r>
+                    <a:rPr lang="es-MX" sz="1100" dirty="0" smtClean="0"/>
+                    <a:t>Status (0 </a:t>
+                  </a:r>
+                  <a:r>
+                    <a:rPr lang="es-MX" sz="1100" dirty="0" err="1" smtClean="0"/>
+                    <a:t>Friend</a:t>
+                  </a:r>
+                  <a:r>
+                    <a:rPr lang="es-MX" sz="1100" dirty="0" smtClean="0"/>
+                    <a:t>, 1 </a:t>
+                  </a:r>
+                  <a:r>
+                    <a:rPr lang="es-MX" sz="1100" dirty="0" err="1" smtClean="0"/>
+                    <a:t>Related</a:t>
+                  </a:r>
+                  <a:r>
+                    <a:rPr lang="es-MX" sz="1100" dirty="0" smtClean="0"/>
+                    <a:t>)</a:t>
+                  </a:r>
+                </a:p>
+              </p:txBody>
+            </p:sp>
+            <p:sp>
+              <p:nvSpPr>
+                <p:cNvPr id="8" name="Rectangle 7"/>
+                <p:cNvSpPr/>
+                <p:nvPr/>
+              </p:nvSpPr>
+              <p:spPr>
+                <a:xfrm>
+                  <a:off x="3581221" y="2423369"/>
+                  <a:ext cx="1071093" cy="1518990"/>
+                </a:xfrm>
+                <a:prstGeom prst="rect">
+                  <a:avLst/>
+                </a:prstGeom>
+              </p:spPr>
+              <p:style>
+                <a:lnRef idx="2">
+                  <a:schemeClr val="accent1">
+                    <a:shade val="50000"/>
+                  </a:schemeClr>
+                </a:lnRef>
+                <a:fillRef idx="1">
+                  <a:schemeClr val="accent1"/>
+                </a:fillRef>
+                <a:effectRef idx="0">
+                  <a:schemeClr val="accent1"/>
+                </a:effectRef>
+                <a:fontRef idx="minor">
+                  <a:schemeClr val="lt1"/>
+                </a:fontRef>
+              </p:style>
+              <p:txBody>
+                <a:bodyPr rtlCol="0" anchor="ctr"/>
+                <a:lstStyle/>
+                <a:p>
+                  <a:pPr algn="ctr"/>
+                  <a:r>
+                    <a:rPr lang="es-MX" sz="1100" b="1" dirty="0" smtClean="0"/>
+                    <a:t>PUBLICITY</a:t>
+                  </a:r>
+                </a:p>
+                <a:p>
+                  <a:r>
+                    <a:rPr lang="es-MX" sz="1100" dirty="0" smtClean="0"/>
+                    <a:t>ID</a:t>
+                  </a:r>
+                </a:p>
+                <a:p>
+                  <a:r>
+                    <a:rPr lang="es-MX" sz="1100" dirty="0" err="1" smtClean="0"/>
+                    <a:t>Company</a:t>
+                  </a:r>
+                  <a:endParaRPr lang="es-MX" sz="1100" dirty="0" smtClean="0"/>
+                </a:p>
+                <a:p>
+                  <a:r>
+                    <a:rPr lang="es-MX" sz="1100" dirty="0" err="1" smtClean="0"/>
+                    <a:t>Publicity</a:t>
+                  </a:r>
+                  <a:r>
+                    <a:rPr lang="es-MX" sz="1100" dirty="0" smtClean="0"/>
+                    <a:t> </a:t>
+                  </a:r>
+                  <a:r>
+                    <a:rPr lang="es-MX" sz="1100" dirty="0" err="1" smtClean="0"/>
+                    <a:t>Image</a:t>
+                  </a:r>
+                  <a:endParaRPr lang="es-MX" sz="1100" dirty="0" smtClean="0"/>
+                </a:p>
+                <a:p>
+                  <a:r>
+                    <a:rPr lang="es-MX" sz="1100" dirty="0" err="1" smtClean="0"/>
+                    <a:t>Hearts</a:t>
+                  </a:r>
+                  <a:endParaRPr lang="es-MX" sz="1100" dirty="0" smtClean="0"/>
+                </a:p>
+                <a:p>
+                  <a:r>
+                    <a:rPr lang="es-MX" sz="1100" dirty="0" err="1" smtClean="0"/>
+                    <a:t>Webpage</a:t>
+                  </a:r>
+                  <a:endParaRPr lang="es-MX" sz="1100" dirty="0" smtClean="0"/>
+                </a:p>
+                <a:p>
+                  <a:r>
+                    <a:rPr lang="es-MX" sz="1100" dirty="0" err="1" smtClean="0"/>
+                    <a:t>Amount</a:t>
+                  </a:r>
+                  <a:endParaRPr lang="es-MX" sz="1100" dirty="0" smtClean="0"/>
+                </a:p>
+              </p:txBody>
+            </p:sp>
+            <p:sp>
+              <p:nvSpPr>
+                <p:cNvPr id="9" name="Rectangle 8"/>
+                <p:cNvSpPr/>
+                <p:nvPr/>
+              </p:nvSpPr>
+              <p:spPr>
+                <a:xfrm>
+                  <a:off x="5446421" y="2423369"/>
+                  <a:ext cx="1071093" cy="1579275"/>
+                </a:xfrm>
+                <a:prstGeom prst="rect">
+                  <a:avLst/>
+                </a:prstGeom>
+              </p:spPr>
+              <p:style>
+                <a:lnRef idx="2">
+                  <a:schemeClr val="accent1">
+                    <a:shade val="50000"/>
+                  </a:schemeClr>
+                </a:lnRef>
+                <a:fillRef idx="1">
+                  <a:schemeClr val="accent1"/>
+                </a:fillRef>
+                <a:effectRef idx="0">
+                  <a:schemeClr val="accent1"/>
+                </a:effectRef>
+                <a:fontRef idx="minor">
+                  <a:schemeClr val="lt1"/>
+                </a:fontRef>
+              </p:style>
+              <p:txBody>
+                <a:bodyPr rtlCol="0" anchor="ctr"/>
+                <a:lstStyle/>
+                <a:p>
+                  <a:pPr algn="ctr"/>
+                  <a:r>
+                    <a:rPr lang="es-MX" sz="1100" b="1" dirty="0" smtClean="0"/>
+                    <a:t>EVENTS</a:t>
+                  </a:r>
+                </a:p>
+                <a:p>
+                  <a:r>
+                    <a:rPr lang="es-MX" sz="1100" dirty="0" smtClean="0"/>
+                    <a:t>ID</a:t>
+                  </a:r>
+                </a:p>
+                <a:p>
+                  <a:r>
+                    <a:rPr lang="es-MX" sz="1100" dirty="0" err="1" smtClean="0"/>
+                    <a:t>Name</a:t>
+                  </a:r>
+                  <a:endParaRPr lang="es-MX" sz="1100" dirty="0" smtClean="0"/>
+                </a:p>
+                <a:p>
+                  <a:r>
+                    <a:rPr lang="es-MX" sz="1100" dirty="0" smtClean="0"/>
+                    <a:t>Date</a:t>
+                  </a:r>
+                </a:p>
+                <a:p>
+                  <a:r>
+                    <a:rPr lang="es-MX" sz="1100" dirty="0" err="1" smtClean="0"/>
+                    <a:t>Location</a:t>
+                  </a:r>
+                  <a:endParaRPr lang="es-MX" sz="1100" dirty="0" smtClean="0"/>
+                </a:p>
+                <a:p>
+                  <a:r>
+                    <a:rPr lang="es-MX" sz="1100" dirty="0" err="1" smtClean="0"/>
+                    <a:t>Company</a:t>
+                  </a:r>
+                  <a:endParaRPr lang="es-MX" sz="1100" dirty="0" smtClean="0"/>
+                </a:p>
+                <a:p>
+                  <a:r>
+                    <a:rPr lang="es-MX" sz="1100" dirty="0" err="1" smtClean="0"/>
+                    <a:t>Amount</a:t>
+                  </a:r>
+                  <a:endParaRPr lang="es-MX" sz="1100" dirty="0" smtClean="0"/>
+                </a:p>
+                <a:p>
+                  <a:r>
+                    <a:rPr lang="es-MX" sz="1100" dirty="0" err="1" smtClean="0"/>
+                    <a:t>Hearts</a:t>
+                  </a:r>
+                  <a:endParaRPr lang="es-MX" sz="1100" dirty="0" smtClean="0"/>
+                </a:p>
+              </p:txBody>
+            </p:sp>
+            <p:sp>
+              <p:nvSpPr>
+                <p:cNvPr id="10" name="Rectangle 9"/>
+                <p:cNvSpPr/>
+                <p:nvPr/>
+              </p:nvSpPr>
+              <p:spPr>
+                <a:xfrm>
+                  <a:off x="3581221" y="4811331"/>
+                  <a:ext cx="987382" cy="1048556"/>
+                </a:xfrm>
+                <a:prstGeom prst="rect">
+                  <a:avLst/>
+                </a:prstGeom>
+              </p:spPr>
+              <p:style>
+                <a:lnRef idx="2">
+                  <a:schemeClr val="accent1">
+                    <a:shade val="50000"/>
+                  </a:schemeClr>
+                </a:lnRef>
+                <a:fillRef idx="1">
+                  <a:schemeClr val="accent1"/>
+                </a:fillRef>
+                <a:effectRef idx="0">
+                  <a:schemeClr val="accent1"/>
+                </a:effectRef>
+                <a:fontRef idx="minor">
+                  <a:schemeClr val="lt1"/>
+                </a:fontRef>
+              </p:style>
+              <p:txBody>
+                <a:bodyPr rtlCol="0" anchor="ctr"/>
+                <a:lstStyle/>
+                <a:p>
+                  <a:pPr algn="ctr"/>
+                  <a:r>
+                    <a:rPr lang="es-MX" sz="1100" b="1" dirty="0" smtClean="0"/>
+                    <a:t>MESSAGE</a:t>
+                  </a:r>
+                  <a:endParaRPr lang="es-MX" sz="1100" b="1" dirty="0" smtClean="0"/>
+                </a:p>
+                <a:p>
+                  <a:r>
+                    <a:rPr lang="es-MX" sz="1100" dirty="0" smtClean="0"/>
+                    <a:t>ID</a:t>
+                  </a:r>
+                </a:p>
+                <a:p>
+                  <a:r>
+                    <a:rPr lang="es-MX" sz="1100" dirty="0" err="1" smtClean="0"/>
+                    <a:t>Message</a:t>
+                  </a:r>
+                  <a:endParaRPr lang="es-MX" sz="1100" dirty="0" smtClean="0"/>
+                </a:p>
+                <a:p>
+                  <a:r>
+                    <a:rPr lang="es-MX" sz="1100" dirty="0" smtClean="0"/>
+                    <a:t>Timestamp</a:t>
+                  </a:r>
+                  <a:endParaRPr lang="es-MX" sz="1100" dirty="0" smtClean="0"/>
+                </a:p>
+                <a:p>
+                  <a:r>
+                    <a:rPr lang="es-MX" sz="1100" dirty="0" err="1" smtClean="0"/>
+                    <a:t>IdUser</a:t>
+                  </a:r>
+                  <a:endParaRPr lang="es-MX" sz="1100" dirty="0" smtClean="0"/>
+                </a:p>
+                <a:p>
+                  <a:r>
+                    <a:rPr lang="es-MX" sz="1100" dirty="0" err="1" smtClean="0"/>
+                    <a:t>IdChat</a:t>
+                  </a:r>
+                  <a:endParaRPr lang="es-MX" sz="1100" dirty="0" smtClean="0"/>
+                </a:p>
+              </p:txBody>
+            </p:sp>
+            <p:cxnSp>
+              <p:nvCxnSpPr>
+                <p:cNvPr id="12" name="Elbow Connector 11"/>
+                <p:cNvCxnSpPr>
+                  <a:stCxn id="4" idx="1"/>
+                  <a:endCxn id="7" idx="1"/>
+                </p:cNvCxnSpPr>
+                <p:nvPr/>
+              </p:nvCxnSpPr>
+              <p:spPr>
+                <a:xfrm rot="10800000" flipV="1">
+                  <a:off x="515154" y="1081825"/>
+                  <a:ext cx="3" cy="2352002"/>
+                </a:xfrm>
+                <a:prstGeom prst="bentConnector3">
+                  <a:avLst>
+                    <a:gd name="adj1" fmla="val 7620100000"/>
+                  </a:avLst>
+                </a:prstGeom>
+                <a:ln>
+                  <a:tailEnd type="triangle"/>
+                </a:ln>
+              </p:spPr>
+              <p:style>
+                <a:lnRef idx="1">
+                  <a:schemeClr val="dk1"/>
+                </a:lnRef>
+                <a:fillRef idx="0">
+                  <a:schemeClr val="dk1"/>
+                </a:fillRef>
+                <a:effectRef idx="0">
+                  <a:schemeClr val="dk1"/>
+                </a:effectRef>
+                <a:fontRef idx="minor">
+                  <a:schemeClr val="tx1"/>
+                </a:fontRef>
+              </p:style>
+            </p:cxnSp>
+            <p:sp>
+              <p:nvSpPr>
+                <p:cNvPr id="18" name="TextBox 17"/>
+                <p:cNvSpPr txBox="1"/>
+                <p:nvPr/>
+              </p:nvSpPr>
+              <p:spPr>
+                <a:xfrm>
+                  <a:off x="242062" y="2244957"/>
+                  <a:ext cx="2369713" cy="430887"/>
+                </a:xfrm>
+                <a:prstGeom prst="rect">
+                  <a:avLst/>
+                </a:prstGeom>
+                <a:noFill/>
+              </p:spPr>
+              <p:txBody>
+                <a:bodyPr wrap="square" rtlCol="0">
+                  <a:spAutoFit/>
+                </a:bodyPr>
+                <a:lstStyle/>
+                <a:p>
+                  <a:r>
+                    <a:rPr lang="es-MX" sz="1100" dirty="0" err="1" smtClean="0"/>
+                    <a:t>Forgein</a:t>
+                  </a:r>
+                  <a:r>
+                    <a:rPr lang="es-MX" sz="1100" dirty="0"/>
+                    <a:t> </a:t>
+                  </a:r>
+                  <a:r>
+                    <a:rPr lang="es-MX" sz="1100" dirty="0" err="1" smtClean="0"/>
+                    <a:t>key</a:t>
+                  </a:r>
+                  <a:r>
+                    <a:rPr lang="es-MX" sz="1100" dirty="0" smtClean="0"/>
+                    <a:t> ID </a:t>
+                  </a:r>
+                  <a:r>
+                    <a:rPr lang="es-MX" sz="1100" dirty="0" err="1" smtClean="0"/>
+                    <a:t>to</a:t>
+                  </a:r>
+                  <a:r>
+                    <a:rPr lang="es-MX" sz="1100" dirty="0" smtClean="0"/>
+                    <a:t> user1 </a:t>
+                  </a:r>
+                  <a:r>
+                    <a:rPr lang="es-MX" sz="1100" dirty="0" err="1" smtClean="0"/>
+                    <a:t>from</a:t>
+                  </a:r>
+                  <a:r>
+                    <a:rPr lang="es-MX" sz="1100" dirty="0" smtClean="0"/>
+                    <a:t> USERS</a:t>
+                  </a:r>
+                </a:p>
+                <a:p>
+                  <a:r>
+                    <a:rPr lang="es-MX" sz="1100" dirty="0" err="1"/>
+                    <a:t>Forgein</a:t>
+                  </a:r>
+                  <a:r>
+                    <a:rPr lang="es-MX" sz="1100" dirty="0"/>
+                    <a:t> </a:t>
+                  </a:r>
+                  <a:r>
+                    <a:rPr lang="es-MX" sz="1100" dirty="0" err="1"/>
+                    <a:t>key</a:t>
+                  </a:r>
+                  <a:r>
+                    <a:rPr lang="es-MX" sz="1100" dirty="0"/>
+                    <a:t> ID </a:t>
+                  </a:r>
+                  <a:r>
+                    <a:rPr lang="es-MX" sz="1100" dirty="0" err="1"/>
+                    <a:t>to</a:t>
+                  </a:r>
+                  <a:r>
+                    <a:rPr lang="es-MX" sz="1100" dirty="0"/>
+                    <a:t> </a:t>
+                  </a:r>
+                  <a:r>
+                    <a:rPr lang="es-MX" sz="1100" dirty="0" smtClean="0"/>
+                    <a:t>user2 </a:t>
+                  </a:r>
+                  <a:r>
+                    <a:rPr lang="es-MX" sz="1100" dirty="0" err="1"/>
+                    <a:t>from</a:t>
+                  </a:r>
+                  <a:r>
+                    <a:rPr lang="es-MX" sz="1100" dirty="0"/>
+                    <a:t> </a:t>
+                  </a:r>
+                  <a:r>
+                    <a:rPr lang="es-MX" sz="1100" dirty="0" smtClean="0"/>
+                    <a:t>USERS</a:t>
+                  </a:r>
+                  <a:endParaRPr lang="es-MX" sz="1100" dirty="0"/>
+                </a:p>
+              </p:txBody>
+            </p:sp>
+            <p:cxnSp>
+              <p:nvCxnSpPr>
+                <p:cNvPr id="23" name="Elbow Connector 22"/>
+                <p:cNvCxnSpPr>
+                  <a:stCxn id="4" idx="1"/>
+                  <a:endCxn id="5" idx="1"/>
+                </p:cNvCxnSpPr>
+                <p:nvPr/>
+              </p:nvCxnSpPr>
+              <p:spPr>
+                <a:xfrm rot="10800000" flipV="1">
+                  <a:off x="515154" y="1081824"/>
+                  <a:ext cx="3" cy="4386329"/>
+                </a:xfrm>
+                <a:prstGeom prst="bentConnector3">
+                  <a:avLst>
+                    <a:gd name="adj1" fmla="val 7620100000"/>
+                  </a:avLst>
+                </a:prstGeom>
+                <a:ln>
+                  <a:tailEnd type="triangle"/>
+                </a:ln>
+              </p:spPr>
+              <p:style>
+                <a:lnRef idx="1">
+                  <a:schemeClr val="dk1"/>
+                </a:lnRef>
+                <a:fillRef idx="0">
+                  <a:schemeClr val="dk1"/>
+                </a:fillRef>
+                <a:effectRef idx="0">
+                  <a:schemeClr val="dk1"/>
+                </a:effectRef>
+                <a:fontRef idx="minor">
+                  <a:schemeClr val="tx1"/>
+                </a:fontRef>
+              </p:style>
+            </p:cxnSp>
+            <p:sp>
+              <p:nvSpPr>
+                <p:cNvPr id="26" name="TextBox 25"/>
+                <p:cNvSpPr txBox="1"/>
+                <p:nvPr/>
+              </p:nvSpPr>
+              <p:spPr>
+                <a:xfrm>
+                  <a:off x="242060" y="4239960"/>
+                  <a:ext cx="2369713" cy="261610"/>
+                </a:xfrm>
+                <a:prstGeom prst="rect">
+                  <a:avLst/>
+                </a:prstGeom>
+                <a:noFill/>
+              </p:spPr>
+              <p:txBody>
+                <a:bodyPr wrap="square" rtlCol="0">
+                  <a:spAutoFit/>
+                </a:bodyPr>
+                <a:lstStyle/>
+                <a:p>
+                  <a:r>
+                    <a:rPr lang="es-MX" sz="1100" dirty="0" err="1" smtClean="0"/>
+                    <a:t>Forgein</a:t>
+                  </a:r>
+                  <a:r>
+                    <a:rPr lang="es-MX" sz="1100" dirty="0"/>
+                    <a:t> </a:t>
+                  </a:r>
+                  <a:r>
+                    <a:rPr lang="es-MX" sz="1100" dirty="0" err="1" smtClean="0"/>
+                    <a:t>key</a:t>
+                  </a:r>
+                  <a:r>
+                    <a:rPr lang="es-MX" sz="1100" dirty="0" smtClean="0"/>
+                    <a:t> ID </a:t>
+                  </a:r>
+                  <a:r>
+                    <a:rPr lang="es-MX" sz="1100" dirty="0" err="1" smtClean="0"/>
+                    <a:t>to</a:t>
+                  </a:r>
+                  <a:r>
+                    <a:rPr lang="es-MX" sz="1100" dirty="0" smtClean="0"/>
+                    <a:t> </a:t>
+                  </a:r>
+                  <a:r>
+                    <a:rPr lang="es-MX" sz="1100" dirty="0" err="1" smtClean="0"/>
+                    <a:t>UserID</a:t>
+                  </a:r>
+                  <a:r>
+                    <a:rPr lang="es-MX" sz="1100" dirty="0" smtClean="0"/>
+                    <a:t> </a:t>
+                  </a:r>
+                  <a:r>
+                    <a:rPr lang="es-MX" sz="1100" dirty="0" err="1" smtClean="0"/>
+                    <a:t>from</a:t>
+                  </a:r>
+                  <a:r>
+                    <a:rPr lang="es-MX" sz="1100" dirty="0" smtClean="0"/>
+                    <a:t> USERS</a:t>
+                  </a:r>
+                </a:p>
+              </p:txBody>
+            </p:sp>
+            <p:cxnSp>
+              <p:nvCxnSpPr>
+                <p:cNvPr id="28" name="Elbow Connector 27"/>
+                <p:cNvCxnSpPr>
+                  <a:stCxn id="4" idx="3"/>
+                  <a:endCxn id="10" idx="1"/>
+                </p:cNvCxnSpPr>
+                <p:nvPr/>
+              </p:nvCxnSpPr>
+              <p:spPr>
+                <a:xfrm>
+                  <a:off x="2498502" y="1081825"/>
+                  <a:ext cx="1082719" cy="4253784"/>
+                </a:xfrm>
+                <a:prstGeom prst="bentConnector3">
+                  <a:avLst/>
+                </a:prstGeom>
+                <a:ln>
+                  <a:tailEnd type="triangle"/>
+                </a:ln>
+              </p:spPr>
+              <p:style>
+                <a:lnRef idx="1">
+                  <a:schemeClr val="dk1"/>
+                </a:lnRef>
+                <a:fillRef idx="0">
+                  <a:schemeClr val="dk1"/>
+                </a:fillRef>
+                <a:effectRef idx="0">
+                  <a:schemeClr val="dk1"/>
+                </a:effectRef>
+                <a:fontRef idx="minor">
+                  <a:schemeClr val="tx1"/>
+                </a:fontRef>
+              </p:style>
+            </p:cxnSp>
+            <p:sp>
+              <p:nvSpPr>
+                <p:cNvPr id="29" name="TextBox 28"/>
+                <p:cNvSpPr txBox="1"/>
+                <p:nvPr/>
+              </p:nvSpPr>
+              <p:spPr>
+                <a:xfrm>
+                  <a:off x="3033711" y="4296302"/>
+                  <a:ext cx="2632075" cy="261610"/>
+                </a:xfrm>
+                <a:prstGeom prst="rect">
+                  <a:avLst/>
+                </a:prstGeom>
+                <a:noFill/>
+              </p:spPr>
+              <p:txBody>
+                <a:bodyPr wrap="square" rtlCol="0">
+                  <a:spAutoFit/>
+                </a:bodyPr>
+                <a:lstStyle/>
+                <a:p>
+                  <a:r>
+                    <a:rPr lang="es-MX" sz="1100" dirty="0" err="1" smtClean="0"/>
+                    <a:t>Forgein</a:t>
+                  </a:r>
+                  <a:r>
+                    <a:rPr lang="es-MX" sz="1100" dirty="0"/>
+                    <a:t> </a:t>
+                  </a:r>
+                  <a:r>
+                    <a:rPr lang="es-MX" sz="1100" dirty="0" err="1" smtClean="0"/>
+                    <a:t>key</a:t>
+                  </a:r>
+                  <a:r>
+                    <a:rPr lang="es-MX" sz="1100" dirty="0" smtClean="0"/>
+                    <a:t> ID </a:t>
+                  </a:r>
+                  <a:r>
+                    <a:rPr lang="es-MX" sz="1100" dirty="0" err="1" smtClean="0"/>
+                    <a:t>to</a:t>
+                  </a:r>
+                  <a:r>
+                    <a:rPr lang="es-MX" sz="1100" dirty="0" smtClean="0"/>
+                    <a:t> </a:t>
+                  </a:r>
+                  <a:r>
+                    <a:rPr lang="es-MX" sz="1100" dirty="0" smtClean="0"/>
+                    <a:t>Id </a:t>
+                  </a:r>
+                  <a:r>
+                    <a:rPr lang="es-MX" sz="1100" dirty="0" err="1" smtClean="0"/>
+                    <a:t>from</a:t>
+                  </a:r>
+                  <a:r>
+                    <a:rPr lang="es-MX" sz="1100" dirty="0" smtClean="0"/>
+                    <a:t> USERS</a:t>
+                  </a:r>
+                </a:p>
+              </p:txBody>
+            </p:sp>
+          </p:grpSp>
+          <p:sp>
+            <p:nvSpPr>
+              <p:cNvPr id="17" name="Rectangle 16"/>
+              <p:cNvSpPr/>
+              <p:nvPr/>
+            </p:nvSpPr>
+            <p:spPr>
+              <a:xfrm>
+                <a:off x="5446421" y="4356587"/>
+                <a:ext cx="987382" cy="807841"/>
+              </a:xfrm>
+              <a:prstGeom prst="rect">
+                <a:avLst/>
+              </a:prstGeom>
+            </p:spPr>
+            <p:style>
+              <a:lnRef idx="2">
+                <a:schemeClr val="accent1">
+                  <a:shade val="50000"/>
+                </a:schemeClr>
+              </a:lnRef>
+              <a:fillRef idx="1">
+                <a:schemeClr val="accent1"/>
+              </a:fillRef>
+              <a:effectRef idx="0">
+                <a:schemeClr val="accent1"/>
+              </a:effectRef>
+              <a:fontRef idx="minor">
+                <a:schemeClr val="lt1"/>
+              </a:fontRef>
+            </p:style>
+            <p:txBody>
+              <a:bodyPr rtlCol="0" anchor="ctr"/>
+              <a:lstStyle/>
+              <a:p>
+                <a:pPr algn="ctr"/>
+                <a:r>
+                  <a:rPr lang="es-MX" sz="1100" b="1" dirty="0" smtClean="0"/>
+                  <a:t>CHATUSER</a:t>
+                </a:r>
+                <a:endParaRPr lang="es-MX" sz="1100" b="1" dirty="0" smtClean="0"/>
+              </a:p>
+              <a:p>
+                <a:r>
+                  <a:rPr lang="es-MX" sz="1100" dirty="0" smtClean="0"/>
+                  <a:t>ID</a:t>
+                </a:r>
+              </a:p>
+              <a:p>
+                <a:r>
+                  <a:rPr lang="es-MX" sz="1100" dirty="0" err="1" smtClean="0"/>
+                  <a:t>IdUser</a:t>
+                </a:r>
+                <a:endParaRPr lang="es-MX" sz="1100" dirty="0" smtClean="0"/>
+              </a:p>
+              <a:p>
+                <a:r>
+                  <a:rPr lang="es-MX" sz="1100" dirty="0" err="1" smtClean="0"/>
+                  <a:t>IdChat</a:t>
+                </a:r>
+                <a:endParaRPr lang="es-MX" sz="1100" dirty="0" smtClean="0"/>
+              </a:p>
+            </p:txBody>
+          </p:sp>
+          <p:sp>
+            <p:nvSpPr>
+              <p:cNvPr id="19" name="Rectangle 18"/>
+              <p:cNvSpPr/>
+              <p:nvPr/>
+            </p:nvSpPr>
+            <p:spPr>
+              <a:xfrm>
+                <a:off x="5446421" y="5442395"/>
+                <a:ext cx="987382" cy="417492"/>
+              </a:xfrm>
+              <a:prstGeom prst="rect">
+                <a:avLst/>
+              </a:prstGeom>
+            </p:spPr>
+            <p:style>
+              <a:lnRef idx="2">
+                <a:schemeClr val="accent1">
+                  <a:shade val="50000"/>
+                </a:schemeClr>
+              </a:lnRef>
+              <a:fillRef idx="1">
+                <a:schemeClr val="accent1"/>
+              </a:fillRef>
+              <a:effectRef idx="0">
+                <a:schemeClr val="accent1"/>
+              </a:effectRef>
+              <a:fontRef idx="minor">
+                <a:schemeClr val="lt1"/>
+              </a:fontRef>
+            </p:style>
+            <p:txBody>
+              <a:bodyPr rtlCol="0" anchor="ctr"/>
+              <a:lstStyle/>
+              <a:p>
+                <a:pPr algn="ctr"/>
+                <a:r>
+                  <a:rPr lang="es-MX" sz="1100" b="1" dirty="0" smtClean="0"/>
+                  <a:t>CHAT</a:t>
+                </a:r>
+                <a:endParaRPr lang="es-MX" sz="1100" b="1" dirty="0" smtClean="0"/>
+              </a:p>
+              <a:p>
+                <a:r>
+                  <a:rPr lang="es-MX" sz="1100" dirty="0" smtClean="0"/>
+                  <a:t>ID</a:t>
+                </a:r>
+                <a:endParaRPr lang="es-MX" sz="1100" dirty="0" smtClean="0"/>
+              </a:p>
+            </p:txBody>
+          </p:sp>
+          <p:cxnSp>
+            <p:nvCxnSpPr>
+              <p:cNvPr id="20" name="Elbow Connector 19"/>
+              <p:cNvCxnSpPr>
+                <a:stCxn id="4" idx="3"/>
+                <a:endCxn id="17" idx="1"/>
+              </p:cNvCxnSpPr>
+              <p:nvPr/>
+            </p:nvCxnSpPr>
+            <p:spPr>
+              <a:xfrm>
+                <a:off x="2498502" y="1081825"/>
+                <a:ext cx="2947919" cy="3678683"/>
+              </a:xfrm>
+              <a:prstGeom prst="bentConnector3">
+                <a:avLst>
+                  <a:gd name="adj1" fmla="val 18545"/>
+                </a:avLst>
+              </a:prstGeom>
+              <a:ln>
+                <a:tailEnd type="triangle"/>
+              </a:ln>
+            </p:spPr>
+            <p:style>
+              <a:lnRef idx="1">
+                <a:schemeClr val="dk1"/>
+              </a:lnRef>
+              <a:fillRef idx="0">
+                <a:schemeClr val="dk1"/>
+              </a:fillRef>
+              <a:effectRef idx="0">
+                <a:schemeClr val="dk1"/>
+              </a:effectRef>
+              <a:fontRef idx="minor">
+                <a:schemeClr val="tx1"/>
+              </a:fontRef>
+            </p:style>
+          </p:cxnSp>
+          <p:cxnSp>
+            <p:nvCxnSpPr>
+              <p:cNvPr id="24" name="Elbow Connector 23"/>
+              <p:cNvCxnSpPr>
+                <a:stCxn id="19" idx="1"/>
+                <a:endCxn id="17" idx="1"/>
+              </p:cNvCxnSpPr>
+              <p:nvPr/>
+            </p:nvCxnSpPr>
+            <p:spPr>
+              <a:xfrm rot="10800000">
+                <a:off x="5446421" y="4760509"/>
+                <a:ext cx="12700" cy="890633"/>
+              </a:xfrm>
+              <a:prstGeom prst="bentConnector3">
+                <a:avLst>
+                  <a:gd name="adj1" fmla="val 5552110"/>
+                </a:avLst>
+              </a:prstGeom>
+              <a:ln>
+                <a:tailEnd type="triangle"/>
+              </a:ln>
+            </p:spPr>
+            <p:style>
+              <a:lnRef idx="1">
+                <a:schemeClr val="dk1"/>
+              </a:lnRef>
+              <a:fillRef idx="0">
+                <a:schemeClr val="dk1"/>
+              </a:fillRef>
+              <a:effectRef idx="0">
+                <a:schemeClr val="dk1"/>
+              </a:effectRef>
+              <a:fontRef idx="minor">
+                <a:schemeClr val="tx1"/>
+              </a:fontRef>
+            </p:style>
+          </p:cxnSp>
+          <p:sp>
+            <p:nvSpPr>
+              <p:cNvPr id="27" name="TextBox 26"/>
+              <p:cNvSpPr txBox="1"/>
+              <p:nvPr/>
+            </p:nvSpPr>
+            <p:spPr>
+              <a:xfrm>
+                <a:off x="4718682" y="5180785"/>
+                <a:ext cx="2632075" cy="261610"/>
+              </a:xfrm>
+              <a:prstGeom prst="rect">
+                <a:avLst/>
+              </a:prstGeom>
+              <a:noFill/>
+            </p:spPr>
+            <p:txBody>
+              <a:bodyPr wrap="square" rtlCol="0">
+                <a:spAutoFit/>
+              </a:bodyPr>
+              <a:lstStyle/>
+              <a:p>
+                <a:r>
+                  <a:rPr lang="es-MX" sz="1100" dirty="0" err="1" smtClean="0"/>
+                  <a:t>Forgein</a:t>
+                </a:r>
+                <a:r>
+                  <a:rPr lang="es-MX" sz="1100" dirty="0"/>
+                  <a:t> </a:t>
+                </a:r>
+                <a:r>
+                  <a:rPr lang="es-MX" sz="1100" dirty="0" err="1" smtClean="0"/>
+                  <a:t>key</a:t>
+                </a:r>
+                <a:r>
+                  <a:rPr lang="es-MX" sz="1100" dirty="0" smtClean="0"/>
+                  <a:t> ID </a:t>
+                </a:r>
+                <a:r>
+                  <a:rPr lang="es-MX" sz="1100" dirty="0" err="1" smtClean="0"/>
+                  <a:t>to</a:t>
+                </a:r>
+                <a:r>
+                  <a:rPr lang="es-MX" sz="1100" dirty="0" smtClean="0"/>
+                  <a:t> </a:t>
+                </a:r>
+                <a:r>
+                  <a:rPr lang="es-MX" sz="1100" dirty="0" smtClean="0"/>
+                  <a:t>Id </a:t>
+                </a:r>
+                <a:r>
+                  <a:rPr lang="es-MX" sz="1100" dirty="0" err="1" smtClean="0"/>
+                  <a:t>from</a:t>
+                </a:r>
+                <a:r>
+                  <a:rPr lang="es-MX" sz="1100" dirty="0" smtClean="0"/>
+                  <a:t> </a:t>
+                </a:r>
+                <a:r>
+                  <a:rPr lang="es-MX" sz="1100" dirty="0" smtClean="0"/>
+                  <a:t>CHAT</a:t>
+                </a:r>
+                <a:endParaRPr lang="es-MX" sz="1100" dirty="0" smtClean="0"/>
+              </a:p>
+            </p:txBody>
+          </p:sp>
+        </p:grpSp>
         <p:cxnSp>
           <p:nvCxnSpPr>
-            <p:cNvPr id="12" name="Elbow Connector 11"/>
+            <p:cNvPr id="31" name="Elbow Connector 30"/>
             <p:cNvCxnSpPr>
-              <a:stCxn id="4" idx="1"/>
-              <a:endCxn id="7" idx="1"/>
+              <a:stCxn id="19" idx="2"/>
+              <a:endCxn id="10" idx="2"/>
             </p:cNvCxnSpPr>
             <p:nvPr/>
           </p:nvCxnSpPr>
           <p:spPr>
-            <a:xfrm rot="10800000" flipV="1">
-              <a:off x="515154" y="1081825"/>
-              <a:ext cx="3" cy="2352002"/>
+            <a:xfrm rot="5400000">
+              <a:off x="5007512" y="4927287"/>
+              <a:ext cx="12700" cy="1865200"/>
             </a:xfrm>
             <a:prstGeom prst="bentConnector3">
               <a:avLst>
-                <a:gd name="adj1" fmla="val 7620100000"/>
+                <a:gd name="adj1" fmla="val 1800000"/>
               </a:avLst>
             </a:prstGeom>
             <a:ln>
@@ -3678,252 +4316,13 @@
         </p:cxnSp>
         <p:sp>
           <p:nvSpPr>
-            <p:cNvPr id="18" name="TextBox 17"/>
+            <p:cNvPr id="33" name="TextBox 32"/>
             <p:cNvSpPr txBox="1"/>
             <p:nvPr/>
           </p:nvSpPr>
           <p:spPr>
             <a:xfrm>
-              <a:off x="242062" y="2244957"/>
-              <a:ext cx="2369713" cy="430887"/>
-            </a:xfrm>
-            <a:prstGeom prst="rect">
-              <a:avLst/>
-            </a:prstGeom>
-            <a:noFill/>
-          </p:spPr>
-          <p:txBody>
-            <a:bodyPr wrap="square" rtlCol="0">
-              <a:spAutoFit/>
-            </a:bodyPr>
-            <a:lstStyle/>
-            <a:p>
-              <a:r>
-                <a:rPr lang="es-MX" sz="1100" dirty="0" err="1" smtClean="0"/>
-                <a:t>Forgein</a:t>
-              </a:r>
-              <a:r>
-                <a:rPr lang="es-MX" sz="1100" dirty="0"/>
-                <a:t> </a:t>
-              </a:r>
-              <a:r>
-                <a:rPr lang="es-MX" sz="1100" dirty="0" err="1" smtClean="0"/>
-                <a:t>key</a:t>
-              </a:r>
-              <a:r>
-                <a:rPr lang="es-MX" sz="1100" dirty="0" smtClean="0"/>
-                <a:t> ID </a:t>
-              </a:r>
-              <a:r>
-                <a:rPr lang="es-MX" sz="1100" dirty="0" err="1" smtClean="0"/>
-                <a:t>to</a:t>
-              </a:r>
-              <a:r>
-                <a:rPr lang="es-MX" sz="1100" dirty="0" smtClean="0"/>
-                <a:t> user1 </a:t>
-              </a:r>
-              <a:r>
-                <a:rPr lang="es-MX" sz="1100" dirty="0" err="1" smtClean="0"/>
-                <a:t>from</a:t>
-              </a:r>
-              <a:r>
-                <a:rPr lang="es-MX" sz="1100" dirty="0" smtClean="0"/>
-                <a:t> USERS</a:t>
-              </a:r>
-            </a:p>
-            <a:p>
-              <a:r>
-                <a:rPr lang="es-MX" sz="1100" dirty="0" err="1"/>
-                <a:t>Forgein</a:t>
-              </a:r>
-              <a:r>
-                <a:rPr lang="es-MX" sz="1100" dirty="0"/>
-                <a:t> </a:t>
-              </a:r>
-              <a:r>
-                <a:rPr lang="es-MX" sz="1100" dirty="0" err="1"/>
-                <a:t>key</a:t>
-              </a:r>
-              <a:r>
-                <a:rPr lang="es-MX" sz="1100" dirty="0"/>
-                <a:t> ID </a:t>
-              </a:r>
-              <a:r>
-                <a:rPr lang="es-MX" sz="1100" dirty="0" err="1"/>
-                <a:t>to</a:t>
-              </a:r>
-              <a:r>
-                <a:rPr lang="es-MX" sz="1100" dirty="0"/>
-                <a:t> </a:t>
-              </a:r>
-              <a:r>
-                <a:rPr lang="es-MX" sz="1100" dirty="0" smtClean="0"/>
-                <a:t>user2 </a:t>
-              </a:r>
-              <a:r>
-                <a:rPr lang="es-MX" sz="1100" dirty="0" err="1"/>
-                <a:t>from</a:t>
-              </a:r>
-              <a:r>
-                <a:rPr lang="es-MX" sz="1100" dirty="0"/>
-                <a:t> </a:t>
-              </a:r>
-              <a:r>
-                <a:rPr lang="es-MX" sz="1100" dirty="0" smtClean="0"/>
-                <a:t>USERS</a:t>
-              </a:r>
-              <a:endParaRPr lang="es-MX" sz="1100" dirty="0"/>
-            </a:p>
-          </p:txBody>
-        </p:sp>
-        <p:cxnSp>
-          <p:nvCxnSpPr>
-            <p:cNvPr id="23" name="Elbow Connector 22"/>
-            <p:cNvCxnSpPr>
-              <a:stCxn id="4" idx="1"/>
-              <a:endCxn id="5" idx="1"/>
-            </p:cNvCxnSpPr>
-            <p:nvPr/>
-          </p:nvCxnSpPr>
-          <p:spPr>
-            <a:xfrm rot="10800000" flipV="1">
-              <a:off x="515154" y="1081824"/>
-              <a:ext cx="3" cy="4386329"/>
-            </a:xfrm>
-            <a:prstGeom prst="bentConnector3">
-              <a:avLst>
-                <a:gd name="adj1" fmla="val 7620100000"/>
-              </a:avLst>
-            </a:prstGeom>
-            <a:ln>
-              <a:tailEnd type="triangle"/>
-            </a:ln>
-          </p:spPr>
-          <p:style>
-            <a:lnRef idx="1">
-              <a:schemeClr val="dk1"/>
-            </a:lnRef>
-            <a:fillRef idx="0">
-              <a:schemeClr val="dk1"/>
-            </a:fillRef>
-            <a:effectRef idx="0">
-              <a:schemeClr val="dk1"/>
-            </a:effectRef>
-            <a:fontRef idx="minor">
-              <a:schemeClr val="tx1"/>
-            </a:fontRef>
-          </p:style>
-        </p:cxnSp>
-        <p:sp>
-          <p:nvSpPr>
-            <p:cNvPr id="26" name="TextBox 25"/>
-            <p:cNvSpPr txBox="1"/>
-            <p:nvPr/>
-          </p:nvSpPr>
-          <p:spPr>
-            <a:xfrm>
-              <a:off x="242060" y="4239960"/>
-              <a:ext cx="2369713" cy="261610"/>
-            </a:xfrm>
-            <a:prstGeom prst="rect">
-              <a:avLst/>
-            </a:prstGeom>
-            <a:noFill/>
-          </p:spPr>
-          <p:txBody>
-            <a:bodyPr wrap="square" rtlCol="0">
-              <a:spAutoFit/>
-            </a:bodyPr>
-            <a:lstStyle/>
-            <a:p>
-              <a:r>
-                <a:rPr lang="es-MX" sz="1100" dirty="0" err="1" smtClean="0"/>
-                <a:t>Forgein</a:t>
-              </a:r>
-              <a:r>
-                <a:rPr lang="es-MX" sz="1100" dirty="0"/>
-                <a:t> </a:t>
-              </a:r>
-              <a:r>
-                <a:rPr lang="es-MX" sz="1100" dirty="0" err="1" smtClean="0"/>
-                <a:t>key</a:t>
-              </a:r>
-              <a:r>
-                <a:rPr lang="es-MX" sz="1100" dirty="0" smtClean="0"/>
-                <a:t> ID </a:t>
-              </a:r>
-              <a:r>
-                <a:rPr lang="es-MX" sz="1100" dirty="0" err="1" smtClean="0"/>
-                <a:t>to</a:t>
-              </a:r>
-              <a:r>
-                <a:rPr lang="es-MX" sz="1100" dirty="0" smtClean="0"/>
-                <a:t> </a:t>
-              </a:r>
-              <a:r>
-                <a:rPr lang="es-MX" sz="1100" dirty="0" err="1" smtClean="0"/>
-                <a:t>UserID</a:t>
-              </a:r>
-              <a:r>
-                <a:rPr lang="es-MX" sz="1100" dirty="0" smtClean="0"/>
-                <a:t> </a:t>
-              </a:r>
-              <a:r>
-                <a:rPr lang="es-MX" sz="1100" dirty="0" err="1" smtClean="0"/>
-                <a:t>from</a:t>
-              </a:r>
-              <a:r>
-                <a:rPr lang="es-MX" sz="1100" dirty="0" smtClean="0"/>
-                <a:t> USERS</a:t>
-              </a:r>
-            </a:p>
-          </p:txBody>
-        </p:sp>
-        <p:cxnSp>
-          <p:nvCxnSpPr>
-            <p:cNvPr id="28" name="Elbow Connector 27"/>
-            <p:cNvCxnSpPr>
-              <a:stCxn id="7" idx="3"/>
-              <a:endCxn id="10" idx="1"/>
-            </p:cNvCxnSpPr>
-            <p:nvPr/>
-          </p:nvCxnSpPr>
-          <p:spPr>
-            <a:xfrm>
-              <a:off x="2338682" y="3433827"/>
-              <a:ext cx="1242539" cy="1800664"/>
-            </a:xfrm>
-            <a:prstGeom prst="bentConnector3">
-              <a:avLst/>
-            </a:prstGeom>
-            <a:ln>
-              <a:tailEnd type="triangle"/>
-            </a:ln>
-          </p:spPr>
-          <p:style>
-            <a:lnRef idx="1">
-              <a:schemeClr val="dk1"/>
-            </a:lnRef>
-            <a:fillRef idx="0">
-              <a:schemeClr val="dk1"/>
-            </a:fillRef>
-            <a:effectRef idx="0">
-              <a:schemeClr val="dk1"/>
-            </a:effectRef>
-            <a:fontRef idx="minor">
-              <a:schemeClr val="tx1"/>
-            </a:fontRef>
-          </p:style>
-        </p:cxnSp>
-        <p:sp>
-          <p:nvSpPr>
-            <p:cNvPr id="29" name="TextBox 28"/>
-            <p:cNvSpPr txBox="1"/>
-            <p:nvPr/>
-          </p:nvSpPr>
-          <p:spPr>
-            <a:xfrm>
-              <a:off x="2918719" y="4327965"/>
+              <a:off x="4072588" y="5861218"/>
               <a:ext cx="2632075" cy="261610"/>
             </a:xfrm>
             <a:prstGeom prst="rect">
@@ -3962,12 +4361,8 @@
                 <a:t> </a:t>
               </a:r>
               <a:r>
-                <a:rPr lang="es-MX" sz="1100" dirty="0" err="1" smtClean="0"/>
-                <a:t>IdRelations</a:t>
-              </a:r>
-              <a:r>
                 <a:rPr lang="es-MX" sz="1100" dirty="0" smtClean="0"/>
-                <a:t> </a:t>
+                <a:t>Id </a:t>
               </a:r>
               <a:r>
                 <a:rPr lang="es-MX" sz="1100" dirty="0" err="1" smtClean="0"/>
@@ -3975,8 +4370,13 @@
               </a:r>
               <a:r>
                 <a:rPr lang="es-MX" sz="1100" dirty="0" smtClean="0"/>
-                <a:t> USERS</a:t>
+                <a:t> </a:t>
               </a:r>
+              <a:r>
+                <a:rPr lang="es-MX" sz="1100" dirty="0" smtClean="0"/>
+                <a:t>CHAT</a:t>
+              </a:r>
+              <a:endParaRPr lang="es-MX" sz="1100" dirty="0" smtClean="0"/>
             </a:p>
           </p:txBody>
         </p:sp>
